--- a/images_amdock/figures_amdock.pptx
+++ b/images_amdock/figures_amdock.pptx
@@ -8,6 +8,7 @@
     <p:sldId id="256" r:id="rId2"/>
     <p:sldId id="257" r:id="rId3"/>
     <p:sldId id="258" r:id="rId4"/>
+    <p:sldId id="259" r:id="rId5"/>
   </p:sldIdLst>
   <p:sldSz cx="7312025" cy="8183563"/>
   <p:notesSz cx="6858000" cy="9144000"/>
@@ -3698,6 +3699,207 @@
 </p:sld>
 </file>
 
+<file path=ppt/slides/slide4.xml><?xml version="1.0" encoding="utf-8"?>
+<p:sld xmlns:a="http://schemas.openxmlformats.org/drawingml/2006/main" xmlns:r="http://schemas.openxmlformats.org/officeDocument/2006/relationships" xmlns:p="http://schemas.openxmlformats.org/presentationml/2006/main">
+  <p:cSld>
+    <p:spTree>
+      <p:nvGrpSpPr>
+        <p:cNvPr id="1" name=""/>
+        <p:cNvGrpSpPr/>
+        <p:nvPr/>
+      </p:nvGrpSpPr>
+      <p:grpSpPr>
+        <a:xfrm>
+          <a:off x="0" y="0"/>
+          <a:ext cx="0" cy="0"/>
+          <a:chOff x="0" y="0"/>
+          <a:chExt cx="0" cy="0"/>
+        </a:xfrm>
+      </p:grpSpPr>
+      <p:grpSp>
+        <p:nvGrpSpPr>
+          <p:cNvPr id="2" name="Grupo 1">
+            <a:extLst>
+              <a:ext uri="{FF2B5EF4-FFF2-40B4-BE49-F238E27FC236}">
+                <a16:creationId xmlns:a16="http://schemas.microsoft.com/office/drawing/2014/main" id="{03DCA739-287B-4ABA-97BB-45D4458B18FD}"/>
+              </a:ext>
+            </a:extLst>
+          </p:cNvPr>
+          <p:cNvGrpSpPr/>
+          <p:nvPr/>
+        </p:nvGrpSpPr>
+        <p:grpSpPr>
+          <a:xfrm>
+            <a:off x="946150" y="2377283"/>
+            <a:ext cx="5419725" cy="3429001"/>
+            <a:chOff x="-111460" y="1447137"/>
+            <a:chExt cx="5712160" cy="3932646"/>
+          </a:xfrm>
+        </p:grpSpPr>
+        <p:sp>
+          <p:nvSpPr>
+            <p:cNvPr id="3" name="Cuadro de texto 2">
+              <a:extLst>
+                <a:ext uri="{FF2B5EF4-FFF2-40B4-BE49-F238E27FC236}">
+                  <a16:creationId xmlns:a16="http://schemas.microsoft.com/office/drawing/2014/main" id="{7C293E41-7D53-4F67-800A-009D2098908E}"/>
+                </a:ext>
+              </a:extLst>
+            </p:cNvPr>
+            <p:cNvSpPr txBox="1">
+              <a:spLocks noChangeArrowheads="1"/>
+            </p:cNvSpPr>
+            <p:nvPr/>
+          </p:nvSpPr>
+          <p:spPr bwMode="auto">
+            <a:xfrm>
+              <a:off x="-111460" y="4701907"/>
+              <a:ext cx="5581473" cy="677876"/>
+            </a:xfrm>
+            <a:prstGeom prst="rect">
+              <a:avLst/>
+            </a:prstGeom>
+            <a:solidFill>
+              <a:srgbClr val="FFFFFF"/>
+            </a:solidFill>
+            <a:ln w="9525">
+              <a:noFill/>
+              <a:miter lim="800000"/>
+              <a:headEnd/>
+              <a:tailEnd/>
+            </a:ln>
+          </p:spPr>
+          <p:txBody>
+            <a:bodyPr rot="0" vert="horz" wrap="square" lIns="91440" tIns="45720" rIns="91440" bIns="45720" anchor="t" anchorCtr="0">
+              <a:noAutofit/>
+            </a:bodyPr>
+            <a:lstStyle/>
+            <a:p>
+              <a:pPr>
+                <a:lnSpc>
+                  <a:spcPct val="115000"/>
+                </a:lnSpc>
+                <a:spcAft>
+                  <a:spcPts val="0"/>
+                </a:spcAft>
+              </a:pPr>
+              <a:r>
+                <a:rPr lang="en-US" sz="1000" b="1" dirty="0">
+                  <a:effectLst/>
+                  <a:latin typeface="Times New Roman" panose="02020603050405020304" pitchFamily="18" charset="0"/>
+                  <a:ea typeface="Times New Roman" panose="02020603050405020304" pitchFamily="18" charset="0"/>
+                  <a:cs typeface="Times New Roman" panose="02020603050405020304" pitchFamily="18" charset="0"/>
+                </a:rPr>
+                <a:t>Figure 3. </a:t>
+              </a:r>
+              <a:r>
+                <a:rPr lang="en-US" sz="1000" b="1" dirty="0" err="1">
+                  <a:effectLst/>
+                  <a:latin typeface="Times New Roman" panose="02020603050405020304" pitchFamily="18" charset="0"/>
+                  <a:ea typeface="Times New Roman" panose="02020603050405020304" pitchFamily="18" charset="0"/>
+                  <a:cs typeface="Times New Roman" panose="02020603050405020304" pitchFamily="18" charset="0"/>
+                </a:rPr>
+                <a:t>AMDock</a:t>
+              </a:r>
+              <a:r>
+                <a:rPr lang="en-US" sz="1000" b="1" dirty="0">
+                  <a:effectLst/>
+                  <a:latin typeface="Times New Roman" panose="02020603050405020304" pitchFamily="18" charset="0"/>
+                  <a:ea typeface="Times New Roman" panose="02020603050405020304" pitchFamily="18" charset="0"/>
+                  <a:cs typeface="Times New Roman" panose="02020603050405020304" pitchFamily="18" charset="0"/>
+                </a:rPr>
+                <a:t> Result Analysis Tab. </a:t>
+              </a:r>
+              <a:r>
+                <a:rPr lang="en-US" sz="1000" dirty="0">
+                  <a:effectLst/>
+                  <a:latin typeface="Times New Roman" panose="02020603050405020304" pitchFamily="18" charset="0"/>
+                  <a:ea typeface="Times New Roman" panose="02020603050405020304" pitchFamily="18" charset="0"/>
+                  <a:cs typeface="Times New Roman" panose="02020603050405020304" pitchFamily="18" charset="0"/>
+                </a:rPr>
+                <a:t>Behind left to right: Result table and Log record. The </a:t>
+              </a:r>
+              <a:r>
+                <a:rPr lang="en-US" sz="1000" dirty="0" err="1">
+                  <a:effectLst/>
+                  <a:latin typeface="Times New Roman" panose="02020603050405020304" pitchFamily="18" charset="0"/>
+                  <a:ea typeface="Times New Roman" panose="02020603050405020304" pitchFamily="18" charset="0"/>
+                  <a:cs typeface="Times New Roman" panose="02020603050405020304" pitchFamily="18" charset="0"/>
+                </a:rPr>
+                <a:t>AMDock</a:t>
+              </a:r>
+              <a:r>
+                <a:rPr lang="en-US" sz="1000" dirty="0">
+                  <a:effectLst/>
+                  <a:latin typeface="Times New Roman" panose="02020603050405020304" pitchFamily="18" charset="0"/>
+                  <a:ea typeface="Times New Roman" panose="02020603050405020304" pitchFamily="18" charset="0"/>
+                  <a:cs typeface="Times New Roman" panose="02020603050405020304" pitchFamily="18" charset="0"/>
+                </a:rPr>
+                <a:t> output table is shown in the front.</a:t>
+              </a:r>
+              <a:endParaRPr lang="es-ES" sz="900" dirty="0">
+                <a:effectLst/>
+                <a:latin typeface="Calibri" panose="020F0502020204030204" pitchFamily="34" charset="0"/>
+                <a:ea typeface="Times New Roman" panose="02020603050405020304" pitchFamily="18" charset="0"/>
+                <a:cs typeface="Times New Roman" panose="02020603050405020304" pitchFamily="18" charset="0"/>
+              </a:endParaRPr>
+            </a:p>
+          </p:txBody>
+        </p:sp>
+        <p:pic>
+          <p:nvPicPr>
+            <p:cNvPr id="4" name="Imagen 3">
+              <a:extLst>
+                <a:ext uri="{FF2B5EF4-FFF2-40B4-BE49-F238E27FC236}">
+                  <a16:creationId xmlns:a16="http://schemas.microsoft.com/office/drawing/2014/main" id="{0966599F-2A8F-4638-868A-BD87E4E77C7F}"/>
+                </a:ext>
+              </a:extLst>
+            </p:cNvPr>
+            <p:cNvPicPr>
+              <a:picLocks noChangeAspect="1"/>
+            </p:cNvPicPr>
+            <p:nvPr/>
+          </p:nvPicPr>
+          <p:blipFill>
+            <a:blip r:embed="rId2" cstate="print">
+              <a:extLst>
+                <a:ext uri="{28A0092B-C50C-407E-A947-70E740481C1C}">
+                  <a14:useLocalDpi xmlns:a14="http://schemas.microsoft.com/office/drawing/2010/main" val="0"/>
+                </a:ext>
+              </a:extLst>
+            </a:blip>
+            <a:srcRect/>
+            <a:stretch>
+              <a:fillRect/>
+            </a:stretch>
+          </p:blipFill>
+          <p:spPr bwMode="auto">
+            <a:xfrm>
+              <a:off x="0" y="1447137"/>
+              <a:ext cx="5600700" cy="3009900"/>
+            </a:xfrm>
+            <a:prstGeom prst="rect">
+              <a:avLst/>
+            </a:prstGeom>
+            <a:noFill/>
+            <a:ln>
+              <a:noFill/>
+            </a:ln>
+          </p:spPr>
+        </p:pic>
+      </p:grpSp>
+    </p:spTree>
+    <p:extLst>
+      <p:ext uri="{BB962C8B-B14F-4D97-AF65-F5344CB8AC3E}">
+        <p14:creationId xmlns:p14="http://schemas.microsoft.com/office/powerpoint/2010/main" val="1435520522"/>
+      </p:ext>
+    </p:extLst>
+  </p:cSld>
+  <p:clrMapOvr>
+    <a:masterClrMapping/>
+  </p:clrMapOvr>
+</p:sld>
+</file>
+
 <file path=ppt/theme/theme1.xml><?xml version="1.0" encoding="utf-8"?>
 <a:theme xmlns:a="http://schemas.openxmlformats.org/drawingml/2006/main" name="Tema de Office">
   <a:themeElements>

--- a/images_amdock/figures_amdock.pptx
+++ b/images_amdock/figures_amdock.pptx
@@ -9,6 +9,8 @@
     <p:sldId id="257" r:id="rId3"/>
     <p:sldId id="258" r:id="rId4"/>
     <p:sldId id="259" r:id="rId5"/>
+    <p:sldId id="260" r:id="rId6"/>
+    <p:sldId id="261" r:id="rId7"/>
   </p:sldIdLst>
   <p:sldSz cx="7312025" cy="8183563"/>
   <p:notesSz cx="6858000" cy="9144000"/>
@@ -3900,6 +3902,354 @@
 </p:sld>
 </file>
 
+<file path=ppt/slides/slide5.xml><?xml version="1.0" encoding="utf-8"?>
+<p:sld xmlns:a="http://schemas.openxmlformats.org/drawingml/2006/main" xmlns:r="http://schemas.openxmlformats.org/officeDocument/2006/relationships" xmlns:p="http://schemas.openxmlformats.org/presentationml/2006/main">
+  <p:cSld>
+    <p:spTree>
+      <p:nvGrpSpPr>
+        <p:cNvPr id="1" name=""/>
+        <p:cNvGrpSpPr/>
+        <p:nvPr/>
+      </p:nvGrpSpPr>
+      <p:grpSpPr>
+        <a:xfrm>
+          <a:off x="0" y="0"/>
+          <a:ext cx="0" cy="0"/>
+          <a:chOff x="0" y="0"/>
+          <a:chExt cx="0" cy="0"/>
+        </a:xfrm>
+      </p:grpSpPr>
+      <p:grpSp>
+        <p:nvGrpSpPr>
+          <p:cNvPr id="2" name="Grupo 1">
+            <a:extLst>
+              <a:ext uri="{FF2B5EF4-FFF2-40B4-BE49-F238E27FC236}">
+                <a16:creationId xmlns:a16="http://schemas.microsoft.com/office/drawing/2014/main" id="{DC49A9FF-10AE-46DA-8B13-A55B7C006B14}"/>
+              </a:ext>
+            </a:extLst>
+          </p:cNvPr>
+          <p:cNvGrpSpPr/>
+          <p:nvPr/>
+        </p:nvGrpSpPr>
+        <p:grpSpPr>
+          <a:xfrm>
+            <a:off x="798513" y="2026762"/>
+            <a:ext cx="5715000" cy="4130045"/>
+            <a:chOff x="19050" y="0"/>
+            <a:chExt cx="5715000" cy="4130597"/>
+          </a:xfrm>
+        </p:grpSpPr>
+        <p:sp>
+          <p:nvSpPr>
+            <p:cNvPr id="3" name="Cuadro de texto 2">
+              <a:extLst>
+                <a:ext uri="{FF2B5EF4-FFF2-40B4-BE49-F238E27FC236}">
+                  <a16:creationId xmlns:a16="http://schemas.microsoft.com/office/drawing/2014/main" id="{698367B7-B462-4C58-B090-9A006A8FFCF2}"/>
+                </a:ext>
+              </a:extLst>
+            </p:cNvPr>
+            <p:cNvSpPr txBox="1">
+              <a:spLocks noChangeArrowheads="1"/>
+            </p:cNvSpPr>
+            <p:nvPr/>
+          </p:nvSpPr>
+          <p:spPr bwMode="auto">
+            <a:xfrm>
+              <a:off x="19050" y="3838585"/>
+              <a:ext cx="4805799" cy="292012"/>
+            </a:xfrm>
+            <a:prstGeom prst="rect">
+              <a:avLst/>
+            </a:prstGeom>
+            <a:solidFill>
+              <a:srgbClr val="FFFFFF"/>
+            </a:solidFill>
+            <a:ln w="9525">
+              <a:noFill/>
+              <a:miter lim="800000"/>
+              <a:headEnd/>
+              <a:tailEnd/>
+            </a:ln>
+          </p:spPr>
+          <p:txBody>
+            <a:bodyPr rot="0" vert="horz" wrap="square" lIns="91440" tIns="45720" rIns="91440" bIns="45720" anchor="t" anchorCtr="0">
+              <a:noAutofit/>
+            </a:bodyPr>
+            <a:lstStyle/>
+            <a:p>
+              <a:pPr>
+                <a:lnSpc>
+                  <a:spcPct val="150000"/>
+                </a:lnSpc>
+                <a:spcAft>
+                  <a:spcPts val="0"/>
+                </a:spcAft>
+              </a:pPr>
+              <a:r>
+                <a:rPr lang="en-US" sz="1000" b="1" dirty="0">
+                  <a:effectLst/>
+                  <a:latin typeface="Times New Roman" panose="02020603050405020304" pitchFamily="18" charset="0"/>
+                  <a:ea typeface="Times New Roman" panose="02020603050405020304" pitchFamily="18" charset="0"/>
+                  <a:cs typeface="Times New Roman" panose="02020603050405020304" pitchFamily="18" charset="0"/>
+                </a:rPr>
+                <a:t>Figure 4. </a:t>
+              </a:r>
+              <a:r>
+                <a:rPr lang="en-US" sz="1000" b="1" dirty="0" err="1">
+                  <a:effectLst/>
+                  <a:latin typeface="Times New Roman" panose="02020603050405020304" pitchFamily="18" charset="0"/>
+                  <a:ea typeface="Times New Roman" panose="02020603050405020304" pitchFamily="18" charset="0"/>
+                  <a:cs typeface="Times New Roman" panose="02020603050405020304" pitchFamily="18" charset="0"/>
+                </a:rPr>
+                <a:t>AMDock</a:t>
+              </a:r>
+              <a:r>
+                <a:rPr lang="en-US" sz="1000" b="1" dirty="0">
+                  <a:effectLst/>
+                  <a:latin typeface="Times New Roman" panose="02020603050405020304" pitchFamily="18" charset="0"/>
+                  <a:ea typeface="Times New Roman" panose="02020603050405020304" pitchFamily="18" charset="0"/>
+                  <a:cs typeface="Times New Roman" panose="02020603050405020304" pitchFamily="18" charset="0"/>
+                </a:rPr>
+                <a:t> Configuration Tab.</a:t>
+              </a:r>
+              <a:endParaRPr lang="es-ES" sz="1000" dirty="0">
+                <a:effectLst/>
+                <a:latin typeface="Calibri" panose="020F0502020204030204" pitchFamily="34" charset="0"/>
+                <a:ea typeface="Times New Roman" panose="02020603050405020304" pitchFamily="18" charset="0"/>
+                <a:cs typeface="Times New Roman" panose="02020603050405020304" pitchFamily="18" charset="0"/>
+              </a:endParaRPr>
+            </a:p>
+          </p:txBody>
+        </p:sp>
+        <p:pic>
+          <p:nvPicPr>
+            <p:cNvPr id="4" name="Imagen 3">
+              <a:extLst>
+                <a:ext uri="{FF2B5EF4-FFF2-40B4-BE49-F238E27FC236}">
+                  <a16:creationId xmlns:a16="http://schemas.microsoft.com/office/drawing/2014/main" id="{A7A6D008-4D76-46CD-B12E-FD4072729584}"/>
+                </a:ext>
+              </a:extLst>
+            </p:cNvPr>
+            <p:cNvPicPr>
+              <a:picLocks noChangeAspect="1"/>
+            </p:cNvPicPr>
+            <p:nvPr/>
+          </p:nvPicPr>
+          <p:blipFill>
+            <a:blip r:embed="rId2">
+              <a:extLst>
+                <a:ext uri="{28A0092B-C50C-407E-A947-70E740481C1C}">
+                  <a14:useLocalDpi xmlns:a14="http://schemas.microsoft.com/office/drawing/2010/main" val="0"/>
+                </a:ext>
+              </a:extLst>
+            </a:blip>
+            <a:srcRect/>
+            <a:stretch>
+              <a:fillRect/>
+            </a:stretch>
+          </p:blipFill>
+          <p:spPr bwMode="auto">
+            <a:xfrm>
+              <a:off x="123825" y="0"/>
+              <a:ext cx="5610225" cy="3838575"/>
+            </a:xfrm>
+            <a:prstGeom prst="rect">
+              <a:avLst/>
+            </a:prstGeom>
+            <a:noFill/>
+            <a:ln>
+              <a:noFill/>
+            </a:ln>
+          </p:spPr>
+        </p:pic>
+      </p:grpSp>
+    </p:spTree>
+    <p:extLst>
+      <p:ext uri="{BB962C8B-B14F-4D97-AF65-F5344CB8AC3E}">
+        <p14:creationId xmlns:p14="http://schemas.microsoft.com/office/powerpoint/2010/main" val="3663578040"/>
+      </p:ext>
+    </p:extLst>
+  </p:cSld>
+  <p:clrMapOvr>
+    <a:masterClrMapping/>
+  </p:clrMapOvr>
+</p:sld>
+</file>
+
+<file path=ppt/slides/slide6.xml><?xml version="1.0" encoding="utf-8"?>
+<p:sld xmlns:a="http://schemas.openxmlformats.org/drawingml/2006/main" xmlns:r="http://schemas.openxmlformats.org/officeDocument/2006/relationships" xmlns:p="http://schemas.openxmlformats.org/presentationml/2006/main">
+  <p:cSld>
+    <p:spTree>
+      <p:nvGrpSpPr>
+        <p:cNvPr id="1" name=""/>
+        <p:cNvGrpSpPr/>
+        <p:nvPr/>
+      </p:nvGrpSpPr>
+      <p:grpSpPr>
+        <a:xfrm>
+          <a:off x="0" y="0"/>
+          <a:ext cx="0" cy="0"/>
+          <a:chOff x="0" y="0"/>
+          <a:chExt cx="0" cy="0"/>
+        </a:xfrm>
+      </p:grpSpPr>
+      <p:grpSp>
+        <p:nvGrpSpPr>
+          <p:cNvPr id="2" name="Grupo 1">
+            <a:extLst>
+              <a:ext uri="{FF2B5EF4-FFF2-40B4-BE49-F238E27FC236}">
+                <a16:creationId xmlns:a16="http://schemas.microsoft.com/office/drawing/2014/main" id="{FA6C8AA4-6B27-43A9-8122-9FB5C7C95117}"/>
+              </a:ext>
+            </a:extLst>
+          </p:cNvPr>
+          <p:cNvGrpSpPr/>
+          <p:nvPr/>
+        </p:nvGrpSpPr>
+        <p:grpSpPr>
+          <a:xfrm>
+            <a:off x="813752" y="2239804"/>
+            <a:ext cx="5684520" cy="3703955"/>
+            <a:chOff x="-409288" y="2862629"/>
+            <a:chExt cx="6602584" cy="4614721"/>
+          </a:xfrm>
+        </p:grpSpPr>
+        <p:pic>
+          <p:nvPicPr>
+            <p:cNvPr id="3" name="Imagen 2">
+              <a:extLst>
+                <a:ext uri="{FF2B5EF4-FFF2-40B4-BE49-F238E27FC236}">
+                  <a16:creationId xmlns:a16="http://schemas.microsoft.com/office/drawing/2014/main" id="{8619CFF9-A5AB-433C-B458-CB8F90D7AC8D}"/>
+                </a:ext>
+              </a:extLst>
+            </p:cNvPr>
+            <p:cNvPicPr>
+              <a:picLocks noChangeAspect="1"/>
+            </p:cNvPicPr>
+            <p:nvPr/>
+          </p:nvPicPr>
+          <p:blipFill>
+            <a:blip r:embed="rId2">
+              <a:extLst>
+                <a:ext uri="{28A0092B-C50C-407E-A947-70E740481C1C}">
+                  <a14:useLocalDpi xmlns:a14="http://schemas.microsoft.com/office/drawing/2010/main" val="0"/>
+                </a:ext>
+              </a:extLst>
+            </a:blip>
+            <a:srcRect/>
+            <a:stretch>
+              <a:fillRect/>
+            </a:stretch>
+          </p:blipFill>
+          <p:spPr bwMode="auto">
+            <a:xfrm>
+              <a:off x="-299408" y="2862629"/>
+              <a:ext cx="6492704" cy="4189087"/>
+            </a:xfrm>
+            <a:prstGeom prst="rect">
+              <a:avLst/>
+            </a:prstGeom>
+            <a:noFill/>
+            <a:ln>
+              <a:noFill/>
+            </a:ln>
+          </p:spPr>
+        </p:pic>
+        <p:sp>
+          <p:nvSpPr>
+            <p:cNvPr id="4" name="Cuadro de texto 2">
+              <a:extLst>
+                <a:ext uri="{FF2B5EF4-FFF2-40B4-BE49-F238E27FC236}">
+                  <a16:creationId xmlns:a16="http://schemas.microsoft.com/office/drawing/2014/main" id="{2A7914E8-7549-403A-86A4-F889DBE4DBD4}"/>
+                </a:ext>
+              </a:extLst>
+            </p:cNvPr>
+            <p:cNvSpPr txBox="1">
+              <a:spLocks noChangeArrowheads="1"/>
+            </p:cNvSpPr>
+            <p:nvPr/>
+          </p:nvSpPr>
+          <p:spPr bwMode="auto">
+            <a:xfrm>
+              <a:off x="-409288" y="7113535"/>
+              <a:ext cx="5581324" cy="363815"/>
+            </a:xfrm>
+            <a:prstGeom prst="rect">
+              <a:avLst/>
+            </a:prstGeom>
+            <a:solidFill>
+              <a:srgbClr val="FFFFFF"/>
+            </a:solidFill>
+            <a:ln w="9525">
+              <a:noFill/>
+              <a:miter lim="800000"/>
+              <a:headEnd/>
+              <a:tailEnd/>
+            </a:ln>
+          </p:spPr>
+          <p:txBody>
+            <a:bodyPr rot="0" vert="horz" wrap="square" lIns="91440" tIns="45720" rIns="91440" bIns="45720" anchor="t" anchorCtr="0">
+              <a:noAutofit/>
+            </a:bodyPr>
+            <a:lstStyle/>
+            <a:p>
+              <a:pPr>
+                <a:lnSpc>
+                  <a:spcPct val="150000"/>
+                </a:lnSpc>
+                <a:spcAft>
+                  <a:spcPts val="0"/>
+                </a:spcAft>
+              </a:pPr>
+              <a:r>
+                <a:rPr lang="en-US" sz="1000" b="1" dirty="0">
+                  <a:effectLst/>
+                  <a:latin typeface="Times New Roman" panose="02020603050405020304" pitchFamily="18" charset="0"/>
+                  <a:ea typeface="Times New Roman" panose="02020603050405020304" pitchFamily="18" charset="0"/>
+                  <a:cs typeface="Times New Roman" panose="02020603050405020304" pitchFamily="18" charset="0"/>
+                </a:rPr>
+                <a:t>Figure 5. </a:t>
+              </a:r>
+              <a:r>
+                <a:rPr lang="en-US" sz="1000" b="1" dirty="0" err="1">
+                  <a:effectLst/>
+                  <a:latin typeface="Times New Roman" panose="02020603050405020304" pitchFamily="18" charset="0"/>
+                  <a:ea typeface="Times New Roman" panose="02020603050405020304" pitchFamily="18" charset="0"/>
+                  <a:cs typeface="Times New Roman" panose="02020603050405020304" pitchFamily="18" charset="0"/>
+                </a:rPr>
+                <a:t>AMDock</a:t>
+              </a:r>
+              <a:r>
+                <a:rPr lang="en-US" sz="1000" b="1" dirty="0">
+                  <a:effectLst/>
+                  <a:latin typeface="Times New Roman" panose="02020603050405020304" pitchFamily="18" charset="0"/>
+                  <a:ea typeface="Times New Roman" panose="02020603050405020304" pitchFamily="18" charset="0"/>
+                  <a:cs typeface="Times New Roman" panose="02020603050405020304" pitchFamily="18" charset="0"/>
+                </a:rPr>
+                <a:t> Info Tab.</a:t>
+              </a:r>
+              <a:endParaRPr lang="es-ES" sz="1000" dirty="0">
+                <a:effectLst/>
+                <a:latin typeface="Calibri" panose="020F0502020204030204" pitchFamily="34" charset="0"/>
+                <a:ea typeface="Times New Roman" panose="02020603050405020304" pitchFamily="18" charset="0"/>
+                <a:cs typeface="Times New Roman" panose="02020603050405020304" pitchFamily="18" charset="0"/>
+              </a:endParaRPr>
+            </a:p>
+          </p:txBody>
+        </p:sp>
+      </p:grpSp>
+    </p:spTree>
+    <p:extLst>
+      <p:ext uri="{BB962C8B-B14F-4D97-AF65-F5344CB8AC3E}">
+        <p14:creationId xmlns:p14="http://schemas.microsoft.com/office/powerpoint/2010/main" val="3052906029"/>
+      </p:ext>
+    </p:extLst>
+  </p:cSld>
+  <p:clrMapOvr>
+    <a:masterClrMapping/>
+  </p:clrMapOvr>
+</p:sld>
+</file>
+
 <file path=ppt/theme/theme1.xml><?xml version="1.0" encoding="utf-8"?>
 <a:theme xmlns:a="http://schemas.openxmlformats.org/drawingml/2006/main" name="Tema de Office">
   <a:themeElements>
